--- a/图形学教学课件/CG-2017b-00-图形学大作业.pptx
+++ b/图形学教学课件/CG-2017b-00-图形学大作业.pptx
@@ -117,7 +117,7 @@
   </p:defaultTextStyle>
   <p:extLst>
     <p:ext uri="{EFAFB233-063F-42B5-8137-9DF3F51BA10A}">
-      <p15:sldGuideLst xmlns="" xmlns:p15="http://schemas.microsoft.com/office/powerpoint/2012/main">
+      <p15:sldGuideLst xmlns:p15="http://schemas.microsoft.com/office/powerpoint/2012/main">
         <p15:guide id="1" orient="horz" pos="2160">
           <p15:clr>
             <a:srgbClr val="A4A3A4"/>
@@ -135,7 +135,7 @@
 </file>
 
 <file path=ppt/charts/chart1.xml><?xml version="1.0" encoding="utf-8"?>
-<c:chartSpace xmlns:c="http://schemas.openxmlformats.org/drawingml/2006/chart" xmlns:a="http://schemas.openxmlformats.org/drawingml/2006/main" xmlns:r="http://schemas.openxmlformats.org/officeDocument/2006/relationships">
+<c:chartSpace xmlns:c="http://schemas.openxmlformats.org/drawingml/2006/chart" xmlns:a="http://schemas.openxmlformats.org/drawingml/2006/main" xmlns:r="http://schemas.openxmlformats.org/officeDocument/2006/relationships" xmlns:c16r2="http://schemas.microsoft.com/office/drawing/2015/06/chart">
   <c:date1904 val="0"/>
   <c:lang val="zh-CN"/>
   <c:roundedCorners val="0"/>
@@ -190,6 +190,26 @@
         </a:ln>
         <a:effectLst/>
       </c:spPr>
+      <c:txPr>
+        <a:bodyPr rot="0" spcFirstLastPara="1" vertOverflow="ellipsis" vert="horz" wrap="square" anchor="ctr" anchorCtr="1"/>
+        <a:lstStyle/>
+        <a:p>
+          <a:pPr>
+            <a:defRPr sz="2128" b="1" i="0" u="none" strike="noStrike" kern="1200" baseline="0">
+              <a:solidFill>
+                <a:schemeClr val="tx1">
+                  <a:lumMod val="65000"/>
+                  <a:lumOff val="35000"/>
+                </a:schemeClr>
+              </a:solidFill>
+              <a:latin typeface="+mn-lt"/>
+              <a:ea typeface="+mn-ea"/>
+              <a:cs typeface="+mn-cs"/>
+            </a:defRPr>
+          </a:pPr>
+          <a:endParaRPr lang="zh-CN"/>
+        </a:p>
+      </c:txPr>
     </c:title>
     <c:autoTitleDeleted val="0"/>
     <c:plotArea>
@@ -216,7 +236,7 @@
             <c:bubble3D val="0"/>
             <c:spPr>
               <a:blipFill rotWithShape="1">
-                <a:blip xmlns:r="http://schemas.openxmlformats.org/officeDocument/2006/relationships" r:embed="rId1">
+                <a:blip xmlns:r="http://schemas.openxmlformats.org/officeDocument/2006/relationships" r:embed="rId3">
                   <a:duotone>
                     <a:schemeClr val="accent1">
                       <a:tint val="98000"/>
@@ -241,7 +261,7 @@
                 </a:innerShdw>
               </a:effectLst>
             </c:spPr>
-            <c:extLst xmlns:c16r2="http://schemas.microsoft.com/office/drawing/2015/06/chart">
+            <c:extLst>
               <c:ext xmlns:c16="http://schemas.microsoft.com/office/drawing/2014/chart" uri="{C3380CC4-5D6E-409C-BE32-E72D297353CC}">
                 <c16:uniqueId val="{00000001-25D6-4E9D-8933-CFE8DD6921F4}"/>
               </c:ext>
@@ -252,7 +272,7 @@
             <c:bubble3D val="0"/>
             <c:spPr>
               <a:blipFill rotWithShape="1">
-                <a:blip xmlns:r="http://schemas.openxmlformats.org/officeDocument/2006/relationships" r:embed="rId1">
+                <a:blip xmlns:r="http://schemas.openxmlformats.org/officeDocument/2006/relationships" r:embed="rId3">
                   <a:duotone>
                     <a:schemeClr val="accent2">
                       <a:tint val="98000"/>
@@ -277,7 +297,7 @@
                 </a:innerShdw>
               </a:effectLst>
             </c:spPr>
-            <c:extLst xmlns:c16r2="http://schemas.microsoft.com/office/drawing/2015/06/chart">
+            <c:extLst>
               <c:ext xmlns:c16="http://schemas.microsoft.com/office/drawing/2014/chart" uri="{C3380CC4-5D6E-409C-BE32-E72D297353CC}">
                 <c16:uniqueId val="{00000003-25D6-4E9D-8933-CFE8DD6921F4}"/>
               </c:ext>
@@ -288,7 +308,7 @@
             <c:bubble3D val="0"/>
             <c:spPr>
               <a:blipFill rotWithShape="1">
-                <a:blip xmlns:r="http://schemas.openxmlformats.org/officeDocument/2006/relationships" r:embed="rId1">
+                <a:blip xmlns:r="http://schemas.openxmlformats.org/officeDocument/2006/relationships" r:embed="rId3">
                   <a:duotone>
                     <a:schemeClr val="accent3">
                       <a:tint val="98000"/>
@@ -313,7 +333,7 @@
                 </a:innerShdw>
               </a:effectLst>
             </c:spPr>
-            <c:extLst xmlns:c16r2="http://schemas.microsoft.com/office/drawing/2015/06/chart">
+            <c:extLst>
               <c:ext xmlns:c16="http://schemas.microsoft.com/office/drawing/2014/chart" uri="{C3380CC4-5D6E-409C-BE32-E72D297353CC}">
                 <c16:uniqueId val="{00000005-25D6-4E9D-8933-CFE8DD6921F4}"/>
               </c:ext>
@@ -324,7 +344,7 @@
             <c:bubble3D val="0"/>
             <c:spPr>
               <a:blipFill rotWithShape="1">
-                <a:blip xmlns:r="http://schemas.openxmlformats.org/officeDocument/2006/relationships" r:embed="rId1">
+                <a:blip xmlns:r="http://schemas.openxmlformats.org/officeDocument/2006/relationships" r:embed="rId3">
                   <a:duotone>
                     <a:schemeClr val="accent4">
                       <a:tint val="98000"/>
@@ -349,7 +369,7 @@
                 </a:innerShdw>
               </a:effectLst>
             </c:spPr>
-            <c:extLst xmlns:c16r2="http://schemas.microsoft.com/office/drawing/2015/06/chart">
+            <c:extLst>
               <c:ext xmlns:c16="http://schemas.microsoft.com/office/drawing/2014/chart" uri="{C3380CC4-5D6E-409C-BE32-E72D297353CC}">
                 <c16:uniqueId val="{00000007-25D6-4E9D-8933-CFE8DD6921F4}"/>
               </c:ext>
@@ -360,7 +380,7 @@
             <c:bubble3D val="0"/>
             <c:spPr>
               <a:blipFill rotWithShape="1">
-                <a:blip xmlns:r="http://schemas.openxmlformats.org/officeDocument/2006/relationships" r:embed="rId1">
+                <a:blip xmlns:r="http://schemas.openxmlformats.org/officeDocument/2006/relationships" r:embed="rId3">
                   <a:duotone>
                     <a:schemeClr val="accent5">
                       <a:tint val="98000"/>
@@ -385,7 +405,7 @@
                 </a:innerShdw>
               </a:effectLst>
             </c:spPr>
-            <c:extLst xmlns:c16r2="http://schemas.microsoft.com/office/drawing/2015/06/chart">
+            <c:extLst>
               <c:ext xmlns:c16="http://schemas.microsoft.com/office/drawing/2014/chart" uri="{C3380CC4-5D6E-409C-BE32-E72D297353CC}">
                 <c16:uniqueId val="{00000009-25D6-4E9D-8933-CFE8DD6921F4}"/>
               </c:ext>
@@ -443,7 +463,7 @@
                 <a:effectLst/>
               </c:spPr>
             </c:leaderLines>
-            <c:extLst xmlns:c16r2="http://schemas.microsoft.com/office/drawing/2015/06/chart">
+            <c:extLst>
               <c:ext xmlns:c15="http://schemas.microsoft.com/office/drawing/2012/chart" uri="{CE6537A1-D6FC-4f65-9D91-7224C49458BB}"/>
             </c:extLst>
           </c:dLbls>
@@ -488,7 +508,7 @@
               </c:numCache>
             </c:numRef>
           </c:val>
-          <c:extLst xmlns:c16r2="http://schemas.microsoft.com/office/drawing/2015/06/chart">
+          <c:extLst>
             <c:ext xmlns:c16="http://schemas.microsoft.com/office/drawing/2014/chart" uri="{C3380CC4-5D6E-409C-BE32-E72D297353CC}">
               <c16:uniqueId val="{00000000-282F-42E0-A934-1D48DF382645}"/>
             </c:ext>
@@ -531,7 +551,6 @@
     </c:plotArea>
     <c:legend>
       <c:legendPos val="b"/>
-      <c:layout/>
       <c:overlay val="0"/>
       <c:spPr>
         <a:noFill/>
@@ -582,14 +601,14 @@
       <a:endParaRPr lang="zh-CN"/>
     </a:p>
   </c:txPr>
-  <c:externalData r:id="rId2">
+  <c:externalData r:id="rId4">
     <c:autoUpdate val="0"/>
   </c:externalData>
 </c:chartSpace>
 </file>
 
 <file path=ppt/charts/chart2.xml><?xml version="1.0" encoding="utf-8"?>
-<c:chartSpace xmlns:c="http://schemas.openxmlformats.org/drawingml/2006/chart" xmlns:a="http://schemas.openxmlformats.org/drawingml/2006/main" xmlns:r="http://schemas.openxmlformats.org/officeDocument/2006/relationships">
+<c:chartSpace xmlns:c="http://schemas.openxmlformats.org/drawingml/2006/chart" xmlns:a="http://schemas.openxmlformats.org/drawingml/2006/main" xmlns:r="http://schemas.openxmlformats.org/officeDocument/2006/relationships" xmlns:c16r2="http://schemas.microsoft.com/office/drawing/2015/06/chart">
   <c:date1904 val="0"/>
   <c:lang val="zh-CN"/>
   <c:roundedCorners val="0"/>
@@ -603,7 +622,6 @@
   </mc:AlternateContent>
   <c:chart>
     <c:title>
-      <c:layout/>
       <c:overlay val="0"/>
       <c:spPr>
         <a:noFill/>
@@ -662,7 +680,7 @@
           </c:tx>
           <c:spPr>
             <a:blipFill rotWithShape="1">
-              <a:blip xmlns:r="http://schemas.openxmlformats.org/officeDocument/2006/relationships" r:embed="rId1">
+              <a:blip xmlns:r="http://schemas.openxmlformats.org/officeDocument/2006/relationships" r:embed="rId3">
                 <a:duotone>
                   <a:schemeClr val="accent1">
                     <a:tint val="98000"/>
@@ -725,7 +743,7 @@
             <c:showPercent val="0"/>
             <c:showBubbleSize val="0"/>
             <c:showLeaderLines val="0"/>
-            <c:extLst xmlns:c16r2="http://schemas.microsoft.com/office/drawing/2015/06/chart">
+            <c:extLst>
               <c:ext xmlns:c15="http://schemas.microsoft.com/office/drawing/2012/chart" uri="{CE6537A1-D6FC-4f65-9D91-7224C49458BB}">
                 <c15:showLeaderLines val="1"/>
                 <c15:leaderLines>
@@ -773,7 +791,7 @@
               </c:numCache>
             </c:numRef>
           </c:val>
-          <c:extLst xmlns:c16r2="http://schemas.microsoft.com/office/drawing/2015/06/chart">
+          <c:extLst>
             <c:ext xmlns:c16="http://schemas.microsoft.com/office/drawing/2014/chart" uri="{C3380CC4-5D6E-409C-BE32-E72D297353CC}">
               <c16:uniqueId val="{00000000-336F-4195-9811-639984064839}"/>
             </c:ext>
@@ -908,7 +926,6 @@
     </c:plotArea>
     <c:legend>
       <c:legendPos val="b"/>
-      <c:layout/>
       <c:overlay val="0"/>
       <c:spPr>
         <a:noFill/>
@@ -977,7 +994,7 @@
       <a:endParaRPr lang="zh-CN"/>
     </a:p>
   </c:txPr>
-  <c:externalData r:id="rId2">
+  <c:externalData r:id="rId4">
     <c:autoUpdate val="0"/>
   </c:externalData>
 </c:chartSpace>
@@ -2346,7 +2363,7 @@
             <a:fld id="{08B9EBBA-996F-894A-B54A-D6246ED52CEA}" type="datetimeFigureOut">
               <a:rPr lang="en-US" dirty="0"/>
               <a:pPr/>
-              <a:t>9/29/2017</a:t>
+              <a:t>12/24/2017</a:t>
             </a:fld>
             <a:endParaRPr lang="en-US" dirty="0"/>
           </a:p>
@@ -2661,7 +2678,7 @@
             <a:fld id="{18C79C5D-2A6F-F04D-97DA-BEF2467B64E4}" type="datetimeFigureOut">
               <a:rPr lang="en-US" dirty="0"/>
               <a:pPr/>
-              <a:t>9/29/2017</a:t>
+              <a:t>12/24/2017</a:t>
             </a:fld>
             <a:endParaRPr lang="en-US" dirty="0"/>
           </a:p>
@@ -3146,7 +3163,7 @@
             <a:fld id="{8DFA1846-DA80-1C48-A609-854EA85C59AD}" type="datetimeFigureOut">
               <a:rPr lang="en-US" dirty="0"/>
               <a:pPr/>
-              <a:t>9/29/2017</a:t>
+              <a:t>12/24/2017</a:t>
             </a:fld>
             <a:endParaRPr lang="en-US" dirty="0"/>
           </a:p>
@@ -3512,7 +3529,7 @@
             <a:fld id="{FBF54567-0DE4-3F47-BF90-CB84690072F9}" type="datetimeFigureOut">
               <a:rPr lang="en-US" dirty="0"/>
               <a:pPr/>
-              <a:t>9/29/2017</a:t>
+              <a:t>12/24/2017</a:t>
             </a:fld>
             <a:endParaRPr lang="en-US" dirty="0"/>
           </a:p>
@@ -3782,7 +3799,7 @@
             <a:fld id="{C6C52C72-DE31-F449-A4ED-4C594FD91407}" type="datetimeFigureOut">
               <a:rPr lang="en-US" dirty="0"/>
               <a:pPr/>
-              <a:t>9/29/2017</a:t>
+              <a:t>12/24/2017</a:t>
             </a:fld>
             <a:endParaRPr lang="en-US" dirty="0"/>
           </a:p>
@@ -4064,7 +4081,7 @@
             <a:fld id="{ED62726E-379B-B349-9EED-81ED093FA806}" type="datetimeFigureOut">
               <a:rPr lang="en-US" dirty="0"/>
               <a:pPr/>
-              <a:t>9/29/2017</a:t>
+              <a:t>12/24/2017</a:t>
             </a:fld>
             <a:endParaRPr lang="en-US" dirty="0"/>
           </a:p>
@@ -4344,7 +4361,7 @@
             <a:fld id="{9B3A1323-8D79-1946-B0D7-40001CF92E9D}" type="datetimeFigureOut">
               <a:rPr lang="en-US" dirty="0"/>
               <a:pPr/>
-              <a:t>9/29/2017</a:t>
+              <a:t>12/24/2017</a:t>
             </a:fld>
             <a:endParaRPr lang="en-US" dirty="0"/>
           </a:p>
@@ -4684,7 +4701,7 @@
             <a:fld id="{8DFA1846-DA80-1C48-A609-854EA85C59AD}" type="datetimeFigureOut">
               <a:rPr lang="en-US" dirty="0"/>
               <a:pPr/>
-              <a:t>9/29/2017</a:t>
+              <a:t>12/24/2017</a:t>
             </a:fld>
             <a:endParaRPr lang="en-US" dirty="0"/>
           </a:p>
@@ -5020,7 +5037,7 @@
             <a:fld id="{57302355-E14B-8545-A8F8-0FE83CC9D524}" type="datetimeFigureOut">
               <a:rPr lang="en-US" dirty="0"/>
               <a:pPr/>
-              <a:t>9/29/2017</a:t>
+              <a:t>12/24/2017</a:t>
             </a:fld>
             <a:endParaRPr lang="en-US" dirty="0"/>
           </a:p>
@@ -5494,7 +5511,7 @@
             <a:fld id="{02640F58-564D-2B4F-AE67-E407BA4FCF45}" type="datetimeFigureOut">
               <a:rPr lang="en-US" dirty="0"/>
               <a:pPr/>
-              <a:t>9/29/2017</a:t>
+              <a:t>12/24/2017</a:t>
             </a:fld>
             <a:endParaRPr lang="en-US" dirty="0"/>
           </a:p>
@@ -5712,7 +5729,7 @@
             <a:fld id="{F13A34C8-038E-2045-AF43-DF7DBB8E0E9E}" type="datetimeFigureOut">
               <a:rPr lang="en-US" dirty="0"/>
               <a:pPr/>
-              <a:t>9/29/2017</a:t>
+              <a:t>12/24/2017</a:t>
             </a:fld>
             <a:endParaRPr lang="en-US" dirty="0"/>
           </a:p>
@@ -5804,7 +5821,7 @@
             <a:fld id="{8818C68F-D26B-8F47-958C-23B49CF8A634}" type="datetimeFigureOut">
               <a:rPr lang="en-US" dirty="0"/>
               <a:pPr/>
-              <a:t>9/29/2017</a:t>
+              <a:t>12/24/2017</a:t>
             </a:fld>
             <a:endParaRPr lang="en-US" dirty="0"/>
           </a:p>
@@ -6268,7 +6285,7 @@
             <a:fld id="{D0DF5E60-9974-AC48-9591-99C2BB44B7CF}" type="datetimeFigureOut">
               <a:rPr lang="en-US" dirty="0"/>
               <a:pPr/>
-              <a:t>9/29/2017</a:t>
+              <a:t>12/24/2017</a:t>
             </a:fld>
             <a:endParaRPr lang="en-US" dirty="0"/>
           </a:p>
@@ -6578,7 +6595,7 @@
             <a:fld id="{18C79C5D-2A6F-F04D-97DA-BEF2467B64E4}" type="datetimeFigureOut">
               <a:rPr lang="en-US" dirty="0"/>
               <a:pPr/>
-              <a:t>9/29/2017</a:t>
+              <a:t>12/24/2017</a:t>
             </a:fld>
             <a:endParaRPr lang="en-US" dirty="0"/>
           </a:p>
@@ -6845,7 +6862,7 @@
             <a:fld id="{09B482E8-6E0E-1B4F-B1FD-C69DB9E858D9}" type="datetimeFigureOut">
               <a:rPr lang="en-US" dirty="0"/>
               <a:pPr/>
-              <a:t>9/29/2017</a:t>
+              <a:t>12/24/2017</a:t>
             </a:fld>
             <a:endParaRPr lang="en-US" dirty="0"/>
           </a:p>
@@ -7333,11 +7350,7 @@
           <a:p>
             <a:r>
               <a:rPr lang="en-US" altLang="zh-CN" dirty="0" smtClean="0"/>
-              <a:t>NJU-Magic group                                                                                                   </a:t>
-            </a:r>
-            <a:r>
-              <a:rPr lang="en-US" altLang="zh-CN" dirty="0" smtClean="0"/>
-              <a:t>2017-09-30</a:t>
+              <a:t>NJU-Magic group                                                                                                   2017-09-30</a:t>
             </a:r>
             <a:endParaRPr lang="zh-CN" altLang="en-US" dirty="0"/>
           </a:p>
@@ -8279,7 +8292,51 @@
             </a:pPr>
             <a:r>
               <a:rPr lang="zh-CN" altLang="en-US" sz="2400" dirty="0"/>
-              <a:t>：直线、曲线、多边形、填充区域</a:t>
+              <a:t>：</a:t>
+            </a:r>
+            <a:r>
+              <a:rPr lang="zh-CN" altLang="en-US" sz="2400" dirty="0">
+                <a:solidFill>
+                  <a:srgbClr val="C00000"/>
+                </a:solidFill>
+              </a:rPr>
+              <a:t>直线</a:t>
+            </a:r>
+            <a:r>
+              <a:rPr lang="zh-CN" altLang="en-US" sz="2400" dirty="0"/>
+              <a:t>、</a:t>
+            </a:r>
+            <a:r>
+              <a:rPr lang="zh-CN" altLang="en-US" sz="2400" dirty="0">
+                <a:solidFill>
+                  <a:srgbClr val="FF0000"/>
+                </a:solidFill>
+              </a:rPr>
+              <a:t>曲线</a:t>
+            </a:r>
+            <a:r>
+              <a:rPr lang="zh-CN" altLang="en-US" sz="2400" dirty="0"/>
+              <a:t>、</a:t>
+            </a:r>
+            <a:r>
+              <a:rPr lang="zh-CN" altLang="en-US" sz="2400" dirty="0">
+                <a:solidFill>
+                  <a:srgbClr val="C00000"/>
+                </a:solidFill>
+              </a:rPr>
+              <a:t>多边形</a:t>
+            </a:r>
+            <a:r>
+              <a:rPr lang="zh-CN" altLang="en-US" sz="2400" dirty="0"/>
+              <a:t>、</a:t>
+            </a:r>
+            <a:r>
+              <a:rPr lang="zh-CN" altLang="en-US" sz="2400" dirty="0">
+                <a:solidFill>
+                  <a:srgbClr val="FF0000"/>
+                </a:solidFill>
+              </a:rPr>
+              <a:t>填充区域</a:t>
             </a:r>
           </a:p>
           <a:p>
@@ -8288,7 +8345,51 @@
             </a:pPr>
             <a:r>
               <a:rPr lang="zh-CN" altLang="en-US" sz="2400" dirty="0"/>
-              <a:t>：直线、曲线、多边形、填充区域</a:t>
+              <a:t>：</a:t>
+            </a:r>
+            <a:r>
+              <a:rPr lang="zh-CN" altLang="en-US" sz="2400" dirty="0">
+                <a:solidFill>
+                  <a:srgbClr val="C00000"/>
+                </a:solidFill>
+              </a:rPr>
+              <a:t>直线</a:t>
+            </a:r>
+            <a:r>
+              <a:rPr lang="zh-CN" altLang="en-US" sz="2400" dirty="0"/>
+              <a:t>、</a:t>
+            </a:r>
+            <a:r>
+              <a:rPr lang="zh-CN" altLang="en-US" sz="2400" dirty="0">
+                <a:solidFill>
+                  <a:srgbClr val="FF0000"/>
+                </a:solidFill>
+              </a:rPr>
+              <a:t>曲线</a:t>
+            </a:r>
+            <a:r>
+              <a:rPr lang="zh-CN" altLang="en-US" sz="2400" dirty="0"/>
+              <a:t>、</a:t>
+            </a:r>
+            <a:r>
+              <a:rPr lang="zh-CN" altLang="en-US" sz="2400" dirty="0">
+                <a:solidFill>
+                  <a:srgbClr val="C00000"/>
+                </a:solidFill>
+              </a:rPr>
+              <a:t>多边形</a:t>
+            </a:r>
+            <a:r>
+              <a:rPr lang="zh-CN" altLang="en-US" sz="2400" dirty="0"/>
+              <a:t>、</a:t>
+            </a:r>
+            <a:r>
+              <a:rPr lang="zh-CN" altLang="en-US" sz="2400" dirty="0">
+                <a:solidFill>
+                  <a:srgbClr val="FF0000"/>
+                </a:solidFill>
+              </a:rPr>
+              <a:t>填充区域</a:t>
             </a:r>
           </a:p>
           <a:p>
@@ -8297,7 +8398,15 @@
             </a:pPr>
             <a:r>
               <a:rPr lang="zh-CN" altLang="en-US" sz="2400" dirty="0"/>
-              <a:t>：窗口和裁剪对象可编辑</a:t>
+              <a:t>：</a:t>
+            </a:r>
+            <a:r>
+              <a:rPr lang="zh-CN" altLang="en-US" sz="2400" dirty="0">
+                <a:solidFill>
+                  <a:srgbClr val="FF0000"/>
+                </a:solidFill>
+              </a:rPr>
+              <a:t>窗口和裁剪对象可编辑</a:t>
             </a:r>
           </a:p>
           <a:p>
@@ -8306,7 +8415,15 @@
             </a:pPr>
             <a:r>
               <a:rPr lang="zh-CN" altLang="en-US" sz="2400" dirty="0"/>
-              <a:t>：平移、旋转、缩放</a:t>
+              <a:t>：</a:t>
+            </a:r>
+            <a:r>
+              <a:rPr lang="zh-CN" altLang="en-US" sz="2400" dirty="0">
+                <a:solidFill>
+                  <a:srgbClr val="C00000"/>
+                </a:solidFill>
+              </a:rPr>
+              <a:t>平移、旋转、缩放</a:t>
             </a:r>
           </a:p>
           <a:p>
@@ -8324,13 +8441,29 @@
             </a:pPr>
             <a:r>
               <a:rPr lang="zh-CN" altLang="en-US" sz="2400" dirty="0"/>
-              <a:t>：可保存生成</a:t>
-            </a:r>
-            <a:r>
-              <a:rPr lang="zh-CN" altLang="en-US" sz="2400" dirty="0" smtClean="0"/>
+              <a:t>：</a:t>
+            </a:r>
+            <a:r>
+              <a:rPr lang="zh-CN" altLang="en-US" sz="2400" dirty="0">
+                <a:solidFill>
+                  <a:srgbClr val="C00000"/>
+                </a:solidFill>
+              </a:rPr>
+              <a:t>可保存生成</a:t>
+            </a:r>
+            <a:r>
+              <a:rPr lang="zh-CN" altLang="en-US" sz="2400" dirty="0" smtClean="0">
+                <a:solidFill>
+                  <a:srgbClr val="C00000"/>
+                </a:solidFill>
+              </a:rPr>
               <a:t>结果</a:t>
             </a:r>
-            <a:endParaRPr lang="zh-CN" altLang="en-US" sz="2400" dirty="0"/>
+            <a:endParaRPr lang="zh-CN" altLang="en-US" sz="2400" dirty="0">
+              <a:solidFill>
+                <a:srgbClr val="C00000"/>
+              </a:solidFill>
+            </a:endParaRPr>
           </a:p>
         </p:txBody>
       </p:sp>
@@ -11058,7 +11191,7 @@
   <a:extraClrSchemeLst/>
   <a:extLst>
     <a:ext uri="{05A4C25C-085E-4340-85A3-A5531E510DB2}">
-      <thm15:themeFamily xmlns="" xmlns:thm15="http://schemas.microsoft.com/office/thememl/2012/main" name="Quotable" id="{39EC5628-30ED-4578-ACD8-9820EDB8E15A}" vid="{7AF46513-5B0D-4B03-9323-32F3F0BFC9D6}"/>
+      <thm15:themeFamily xmlns:thm15="http://schemas.microsoft.com/office/thememl/2012/main" name="Quotable" id="{39EC5628-30ED-4578-ACD8-9820EDB8E15A}" vid="{7AF46513-5B0D-4B03-9323-32F3F0BFC9D6}"/>
     </a:ext>
   </a:extLst>
 </a:theme>
